--- a/colegio/lengua/tecnicas-grupales-expo/Técnicas Grupales.pptx
+++ b/colegio/lengua/tecnicas-grupales-expo/Técnicas Grupales.pptx
@@ -11,9 +11,8 @@
     <p:sldId id="259" r:id="rId5"/>
     <p:sldId id="260" r:id="rId6"/>
     <p:sldId id="261" r:id="rId7"/>
-    <p:sldId id="262" r:id="rId8"/>
-    <p:sldId id="263" r:id="rId9"/>
-    <p:sldId id="264" r:id="rId10"/>
+    <p:sldId id="263" r:id="rId8"/>
+    <p:sldId id="264" r:id="rId9"/>
   </p:sldIdLst>
   <p:sldSz cx="12192000" cy="6858000"/>
   <p:notesSz cx="6858000" cy="9144000"/>
@@ -269,7 +268,7 @@
           <a:p>
             <a:fld id="{AE2177E7-2FAB-4197-BCD5-6F0089A33DCF}" type="datetimeFigureOut">
               <a:rPr lang="es-MX" smtClean="0"/>
-              <a:t>17/09/2024</a:t>
+              <a:t>18/09/2024</a:t>
             </a:fld>
             <a:endParaRPr lang="es-MX"/>
           </a:p>
@@ -469,7 +468,7 @@
           <a:p>
             <a:fld id="{AE2177E7-2FAB-4197-BCD5-6F0089A33DCF}" type="datetimeFigureOut">
               <a:rPr lang="es-MX" smtClean="0"/>
-              <a:t>17/09/2024</a:t>
+              <a:t>18/09/2024</a:t>
             </a:fld>
             <a:endParaRPr lang="es-MX"/>
           </a:p>
@@ -679,7 +678,7 @@
           <a:p>
             <a:fld id="{AE2177E7-2FAB-4197-BCD5-6F0089A33DCF}" type="datetimeFigureOut">
               <a:rPr lang="es-MX" smtClean="0"/>
-              <a:t>17/09/2024</a:t>
+              <a:t>18/09/2024</a:t>
             </a:fld>
             <a:endParaRPr lang="es-MX"/>
           </a:p>
@@ -879,7 +878,7 @@
           <a:p>
             <a:fld id="{AE2177E7-2FAB-4197-BCD5-6F0089A33DCF}" type="datetimeFigureOut">
               <a:rPr lang="es-MX" smtClean="0"/>
-              <a:t>17/09/2024</a:t>
+              <a:t>18/09/2024</a:t>
             </a:fld>
             <a:endParaRPr lang="es-MX"/>
           </a:p>
@@ -1155,7 +1154,7 @@
           <a:p>
             <a:fld id="{AE2177E7-2FAB-4197-BCD5-6F0089A33DCF}" type="datetimeFigureOut">
               <a:rPr lang="es-MX" smtClean="0"/>
-              <a:t>17/09/2024</a:t>
+              <a:t>18/09/2024</a:t>
             </a:fld>
             <a:endParaRPr lang="es-MX"/>
           </a:p>
@@ -1423,7 +1422,7 @@
           <a:p>
             <a:fld id="{AE2177E7-2FAB-4197-BCD5-6F0089A33DCF}" type="datetimeFigureOut">
               <a:rPr lang="es-MX" smtClean="0"/>
-              <a:t>17/09/2024</a:t>
+              <a:t>18/09/2024</a:t>
             </a:fld>
             <a:endParaRPr lang="es-MX"/>
           </a:p>
@@ -1838,7 +1837,7 @@
           <a:p>
             <a:fld id="{AE2177E7-2FAB-4197-BCD5-6F0089A33DCF}" type="datetimeFigureOut">
               <a:rPr lang="es-MX" smtClean="0"/>
-              <a:t>17/09/2024</a:t>
+              <a:t>18/09/2024</a:t>
             </a:fld>
             <a:endParaRPr lang="es-MX"/>
           </a:p>
@@ -1980,7 +1979,7 @@
           <a:p>
             <a:fld id="{AE2177E7-2FAB-4197-BCD5-6F0089A33DCF}" type="datetimeFigureOut">
               <a:rPr lang="es-MX" smtClean="0"/>
-              <a:t>17/09/2024</a:t>
+              <a:t>18/09/2024</a:t>
             </a:fld>
             <a:endParaRPr lang="es-MX"/>
           </a:p>
@@ -2093,7 +2092,7 @@
           <a:p>
             <a:fld id="{AE2177E7-2FAB-4197-BCD5-6F0089A33DCF}" type="datetimeFigureOut">
               <a:rPr lang="es-MX" smtClean="0"/>
-              <a:t>17/09/2024</a:t>
+              <a:t>18/09/2024</a:t>
             </a:fld>
             <a:endParaRPr lang="es-MX"/>
           </a:p>
@@ -2406,7 +2405,7 @@
           <a:p>
             <a:fld id="{AE2177E7-2FAB-4197-BCD5-6F0089A33DCF}" type="datetimeFigureOut">
               <a:rPr lang="es-MX" smtClean="0"/>
-              <a:t>17/09/2024</a:t>
+              <a:t>18/09/2024</a:t>
             </a:fld>
             <a:endParaRPr lang="es-MX"/>
           </a:p>
@@ -2695,7 +2694,7 @@
           <a:p>
             <a:fld id="{AE2177E7-2FAB-4197-BCD5-6F0089A33DCF}" type="datetimeFigureOut">
               <a:rPr lang="es-MX" smtClean="0"/>
-              <a:t>17/09/2024</a:t>
+              <a:t>18/09/2024</a:t>
             </a:fld>
             <a:endParaRPr lang="es-MX"/>
           </a:p>
@@ -2938,7 +2937,7 @@
           <a:p>
             <a:fld id="{AE2177E7-2FAB-4197-BCD5-6F0089A33DCF}" type="datetimeFigureOut">
               <a:rPr lang="es-MX" smtClean="0"/>
-              <a:t>17/09/2024</a:t>
+              <a:t>18/09/2024</a:t>
             </a:fld>
             <a:endParaRPr lang="es-MX"/>
           </a:p>
@@ -3937,14 +3936,37 @@
   <p:cSld>
     <p:bg>
       <p:bgPr>
-        <a:pattFill prst="dotGrid">
-          <a:fgClr>
-            <a:schemeClr val="accent1"/>
-          </a:fgClr>
-          <a:bgClr>
-            <a:schemeClr val="bg1"/>
-          </a:bgClr>
-        </a:pattFill>
+        <a:gradFill flip="none" rotWithShape="1">
+          <a:gsLst>
+            <a:gs pos="0">
+              <a:schemeClr val="accent2">
+                <a:lumMod val="20000"/>
+                <a:lumOff val="80000"/>
+              </a:schemeClr>
+            </a:gs>
+            <a:gs pos="74000">
+              <a:schemeClr val="accent2">
+                <a:lumMod val="75000"/>
+              </a:schemeClr>
+            </a:gs>
+            <a:gs pos="85000">
+              <a:schemeClr val="accent2">
+                <a:lumMod val="60000"/>
+                <a:lumOff val="40000"/>
+              </a:schemeClr>
+            </a:gs>
+            <a:gs pos="100000">
+              <a:schemeClr val="accent2">
+                <a:lumMod val="40000"/>
+                <a:lumOff val="60000"/>
+              </a:schemeClr>
+            </a:gs>
+          </a:gsLst>
+          <a:path path="rect">
+            <a:fillToRect l="100000" t="100000"/>
+          </a:path>
+          <a:tileRect r="-100000" b="-100000"/>
+        </a:gradFill>
         <a:effectLst/>
       </p:bgPr>
     </p:bg>
@@ -4050,14 +4072,37 @@
   <p:cSld>
     <p:bg>
       <p:bgPr>
-        <a:pattFill prst="dotGrid">
-          <a:fgClr>
-            <a:schemeClr val="accent1"/>
-          </a:fgClr>
-          <a:bgClr>
-            <a:schemeClr val="bg1"/>
-          </a:bgClr>
-        </a:pattFill>
+        <a:gradFill flip="none" rotWithShape="1">
+          <a:gsLst>
+            <a:gs pos="0">
+              <a:schemeClr val="accent2">
+                <a:lumMod val="20000"/>
+                <a:lumOff val="80000"/>
+              </a:schemeClr>
+            </a:gs>
+            <a:gs pos="74000">
+              <a:schemeClr val="accent2">
+                <a:lumMod val="75000"/>
+              </a:schemeClr>
+            </a:gs>
+            <a:gs pos="85000">
+              <a:schemeClr val="accent2">
+                <a:lumMod val="60000"/>
+                <a:lumOff val="40000"/>
+              </a:schemeClr>
+            </a:gs>
+            <a:gs pos="100000">
+              <a:schemeClr val="accent2">
+                <a:lumMod val="40000"/>
+                <a:lumOff val="60000"/>
+              </a:schemeClr>
+            </a:gs>
+          </a:gsLst>
+          <a:path path="circle">
+            <a:fillToRect l="100000" t="100000"/>
+          </a:path>
+          <a:tileRect r="-100000" b="-100000"/>
+        </a:gradFill>
         <a:effectLst/>
       </p:bgPr>
     </p:bg>
@@ -4163,14 +4208,35 @@
   <p:cSld>
     <p:bg>
       <p:bgPr>
-        <a:pattFill prst="pct80">
-          <a:fgClr>
-            <a:schemeClr val="accent1"/>
-          </a:fgClr>
-          <a:bgClr>
-            <a:schemeClr val="bg1"/>
-          </a:bgClr>
-        </a:pattFill>
+        <a:gradFill>
+          <a:gsLst>
+            <a:gs pos="0">
+              <a:schemeClr val="bg2">
+                <a:lumMod val="25000"/>
+              </a:schemeClr>
+            </a:gs>
+            <a:gs pos="30000">
+              <a:srgbClr val="5A5A5A"/>
+            </a:gs>
+            <a:gs pos="55000">
+              <a:schemeClr val="tx1">
+                <a:lumMod val="75000"/>
+                <a:lumOff val="25000"/>
+              </a:schemeClr>
+            </a:gs>
+            <a:gs pos="85000">
+              <a:schemeClr val="bg2">
+                <a:lumMod val="50000"/>
+              </a:schemeClr>
+            </a:gs>
+            <a:gs pos="100000">
+              <a:schemeClr val="bg2">
+                <a:lumMod val="25000"/>
+              </a:schemeClr>
+            </a:gs>
+          </a:gsLst>
+          <a:lin ang="5400000" scaled="1"/>
+        </a:gradFill>
         <a:effectLst/>
       </p:bgPr>
     </p:bg>
@@ -4302,14 +4368,37 @@
   <p:cSld>
     <p:bg>
       <p:bgPr>
-        <a:pattFill prst="pct70">
-          <a:fgClr>
-            <a:schemeClr val="accent1"/>
-          </a:fgClr>
-          <a:bgClr>
-            <a:schemeClr val="bg1"/>
-          </a:bgClr>
-        </a:pattFill>
+        <a:gradFill flip="none" rotWithShape="1">
+          <a:gsLst>
+            <a:gs pos="0">
+              <a:schemeClr val="bg1">
+                <a:lumMod val="75000"/>
+              </a:schemeClr>
+            </a:gs>
+            <a:gs pos="30000">
+              <a:schemeClr val="bg1">
+                <a:lumMod val="75000"/>
+              </a:schemeClr>
+            </a:gs>
+            <a:gs pos="55000">
+              <a:schemeClr val="bg1">
+                <a:lumMod val="85000"/>
+              </a:schemeClr>
+            </a:gs>
+            <a:gs pos="85000">
+              <a:schemeClr val="bg1">
+                <a:lumMod val="85000"/>
+              </a:schemeClr>
+            </a:gs>
+            <a:gs pos="100000">
+              <a:schemeClr val="bg1">
+                <a:lumMod val="95000"/>
+              </a:schemeClr>
+            </a:gs>
+          </a:gsLst>
+          <a:lin ang="2700000" scaled="1"/>
+          <a:tileRect/>
+        </a:gradFill>
         <a:effectLst/>
       </p:bgPr>
     </p:bg>
@@ -4421,14 +4510,41 @@
   <p:cSld>
     <p:bg>
       <p:bgPr>
-        <a:pattFill prst="narHorz">
-          <a:fgClr>
-            <a:schemeClr val="accent1"/>
-          </a:fgClr>
-          <a:bgClr>
-            <a:schemeClr val="bg1"/>
-          </a:bgClr>
-        </a:pattFill>
+        <a:gradFill>
+          <a:gsLst>
+            <a:gs pos="0">
+              <a:schemeClr val="accent6">
+                <a:lumMod val="40000"/>
+                <a:lumOff val="60000"/>
+              </a:schemeClr>
+            </a:gs>
+            <a:gs pos="30000">
+              <a:schemeClr val="accent6">
+                <a:lumMod val="20000"/>
+                <a:lumOff val="80000"/>
+              </a:schemeClr>
+            </a:gs>
+            <a:gs pos="56000">
+              <a:schemeClr val="accent6">
+                <a:lumMod val="60000"/>
+                <a:lumOff val="40000"/>
+              </a:schemeClr>
+            </a:gs>
+            <a:gs pos="85000">
+              <a:schemeClr val="accent6">
+                <a:lumMod val="60000"/>
+                <a:lumOff val="40000"/>
+              </a:schemeClr>
+            </a:gs>
+            <a:gs pos="100000">
+              <a:schemeClr val="accent6">
+                <a:lumMod val="40000"/>
+                <a:lumOff val="60000"/>
+              </a:schemeClr>
+            </a:gs>
+          </a:gsLst>
+          <a:lin ang="2700000" scaled="1"/>
+        </a:gradFill>
         <a:effectLst/>
       </p:bgPr>
     </p:bg>
@@ -4451,7 +4567,7 @@
           <p:cNvPr id="2" name="Título 1">
             <a:extLst>
               <a:ext uri="{FF2B5EF4-FFF2-40B4-BE49-F238E27FC236}">
-                <a16:creationId xmlns:a16="http://schemas.microsoft.com/office/drawing/2014/main" id="{AAB19875-42A8-4FBA-3E3C-DC6F38F6A735}"/>
+                <a16:creationId xmlns:a16="http://schemas.microsoft.com/office/drawing/2014/main" id="{9B8A9172-B7F7-9F14-EF1B-D8FE8C620CF0}"/>
               </a:ext>
             </a:extLst>
           </p:cNvPr>
@@ -4469,7 +4585,7 @@
           <a:p>
             <a:r>
               <a:rPr lang="es-MX" dirty="0"/>
-              <a:t>Desventajas o limitaciones</a:t>
+              <a:t>Roles</a:t>
             </a:r>
           </a:p>
         </p:txBody>
@@ -4479,7 +4595,7 @@
           <p:cNvPr id="3" name="Marcador de contenido 2">
             <a:extLst>
               <a:ext uri="{FF2B5EF4-FFF2-40B4-BE49-F238E27FC236}">
-                <a16:creationId xmlns:a16="http://schemas.microsoft.com/office/drawing/2014/main" id="{089ED867-0869-C999-3E7B-5AE9E912F64E}"/>
+                <a16:creationId xmlns:a16="http://schemas.microsoft.com/office/drawing/2014/main" id="{6E90648F-C07A-CED8-29A1-7BDAB929C010}"/>
               </a:ext>
             </a:extLst>
           </p:cNvPr>
@@ -4492,24 +4608,56 @@
         </p:nvSpPr>
         <p:spPr/>
         <p:txBody>
-          <a:bodyPr/>
+          <a:bodyPr>
+            <a:normAutofit fontScale="62500" lnSpcReduction="20000"/>
+          </a:bodyPr>
           <a:lstStyle/>
           <a:p>
             <a:r>
               <a:rPr lang="es-MX" dirty="0"/>
-              <a:t>Tiempo limitado: Dado que todos deben participar y el tiempo suele ser limitado, a veces no se profundiza lo suficiente en ciertos puntos.</a:t>
+              <a:t>Moderador: Guía la discusión, organiza los turnos de palabra, mantiene el enfoque en el tema y controla el tiempo de intervención. Asegura una participación equitativa y un ambiente respetuoso.</a:t>
             </a:r>
           </a:p>
           <a:p>
             <a:r>
               <a:rPr lang="es-MX" dirty="0"/>
-              <a:t>Dificultad para moderar: Si el moderador no es eficiente, puede haber desorganización o personas que monopolicen la conversación.</a:t>
+              <a:t>Participantes: Exponen sus puntos de vista, escuchan activamente, hacen preguntas o comentarios relevantes y respetan los turnos de palabra. Contribuyen al diálogo y la discusión.</a:t>
             </a:r>
           </a:p>
           <a:p>
             <a:r>
               <a:rPr lang="es-MX" dirty="0"/>
-              <a:t>Conflictos: En algunos casos, la discusión puede generar confrontaciones si no se manejan de forma adecuada las diferencias de opinión.</a:t>
+              <a:t>Secretario o Relator: Toma notas de las ideas clave, acuerdos y conclusiones. Puede leer un resumen final al término de la discusión, proporcionando un registro oficial de la mesa redonda.</a:t>
+            </a:r>
+          </a:p>
+          <a:p>
+            <a:r>
+              <a:rPr lang="es-MX" dirty="0"/>
+              <a:t>Observador: Evalúa la dinámica de la discusión, el manejo de los turnos de palabra y la efectividad del moderador. Ofrece retroalimentación para mejorar futuras sesiones.</a:t>
+            </a:r>
+          </a:p>
+          <a:p>
+            <a:r>
+              <a:rPr lang="es-MX" dirty="0"/>
+              <a:t>Cronometrador: Controla el tiempo de cada intervención y avisa cuando el tiempo asignado está por agotarse, ayudando a mantener el ritmo de la discusión.</a:t>
+            </a:r>
+          </a:p>
+          <a:p>
+            <a:r>
+              <a:rPr lang="es-MX" dirty="0"/>
+              <a:t>Expertos o Panelistas: Presentan conocimientos especializados sobre el tema de discusión. Responden preguntas y aportan perspectivas profundas y bien fundamentadas.</a:t>
+            </a:r>
+          </a:p>
+          <a:p>
+            <a:r>
+              <a:rPr lang="es-MX" dirty="0"/>
+              <a:t>Público: Observa la discusión y, en algunos casos, puede hacer preguntas o comentarios al final, contribuyendo con su perspectiva a la conversación general.</a:t>
+            </a:r>
+          </a:p>
+          <a:p>
+            <a:r>
+              <a:rPr lang="es-MX" dirty="0"/>
+              <a:t>Evaluador: Evalúa el desempeño de los participantes en términos de claridad, argumentación y respeto por las reglas, proporcionando retroalimentación constructiva.</a:t>
             </a:r>
           </a:p>
         </p:txBody>
@@ -4517,7 +4665,7 @@
     </p:spTree>
     <p:extLst>
       <p:ext uri="{BB962C8B-B14F-4D97-AF65-F5344CB8AC3E}">
-        <p14:creationId xmlns:p14="http://schemas.microsoft.com/office/powerpoint/2010/main" val="3994099124"/>
+        <p14:creationId xmlns:p14="http://schemas.microsoft.com/office/powerpoint/2010/main" val="440576077"/>
       </p:ext>
     </p:extLst>
   </p:cSld>
@@ -4532,14 +4680,41 @@
   <p:cSld>
     <p:bg>
       <p:bgPr>
-        <a:pattFill prst="pct5">
-          <a:fgClr>
-            <a:schemeClr val="accent1"/>
-          </a:fgClr>
-          <a:bgClr>
-            <a:schemeClr val="bg1"/>
-          </a:bgClr>
-        </a:pattFill>
+        <a:gradFill>
+          <a:gsLst>
+            <a:gs pos="0">
+              <a:schemeClr val="accent5">
+                <a:lumMod val="40000"/>
+                <a:lumOff val="60000"/>
+              </a:schemeClr>
+            </a:gs>
+            <a:gs pos="30000">
+              <a:schemeClr val="accent5">
+                <a:lumMod val="20000"/>
+                <a:lumOff val="80000"/>
+              </a:schemeClr>
+            </a:gs>
+            <a:gs pos="56000">
+              <a:schemeClr val="accent5">
+                <a:lumMod val="60000"/>
+                <a:lumOff val="40000"/>
+              </a:schemeClr>
+            </a:gs>
+            <a:gs pos="85000">
+              <a:schemeClr val="accent5">
+                <a:lumMod val="60000"/>
+                <a:lumOff val="40000"/>
+              </a:schemeClr>
+            </a:gs>
+            <a:gs pos="100000">
+              <a:schemeClr val="accent5">
+                <a:lumMod val="40000"/>
+                <a:lumOff val="60000"/>
+              </a:schemeClr>
+            </a:gs>
+          </a:gsLst>
+          <a:lin ang="2700000" scaled="1"/>
+        </a:gradFill>
         <a:effectLst/>
       </p:bgPr>
     </p:bg>
@@ -4562,149 +4737,6 @@
           <p:cNvPr id="2" name="Título 1">
             <a:extLst>
               <a:ext uri="{FF2B5EF4-FFF2-40B4-BE49-F238E27FC236}">
-                <a16:creationId xmlns:a16="http://schemas.microsoft.com/office/drawing/2014/main" id="{9B8A9172-B7F7-9F14-EF1B-D8FE8C620CF0}"/>
-              </a:ext>
-            </a:extLst>
-          </p:cNvPr>
-          <p:cNvSpPr>
-            <a:spLocks noGrp="1"/>
-          </p:cNvSpPr>
-          <p:nvPr>
-            <p:ph type="title"/>
-          </p:nvPr>
-        </p:nvSpPr>
-        <p:spPr/>
-        <p:txBody>
-          <a:bodyPr/>
-          <a:lstStyle/>
-          <a:p>
-            <a:r>
-              <a:rPr lang="es-MX" dirty="0"/>
-              <a:t>Roles</a:t>
-            </a:r>
-          </a:p>
-        </p:txBody>
-      </p:sp>
-      <p:sp>
-        <p:nvSpPr>
-          <p:cNvPr id="3" name="Marcador de contenido 2">
-            <a:extLst>
-              <a:ext uri="{FF2B5EF4-FFF2-40B4-BE49-F238E27FC236}">
-                <a16:creationId xmlns:a16="http://schemas.microsoft.com/office/drawing/2014/main" id="{6E90648F-C07A-CED8-29A1-7BDAB929C010}"/>
-              </a:ext>
-            </a:extLst>
-          </p:cNvPr>
-          <p:cNvSpPr>
-            <a:spLocks noGrp="1"/>
-          </p:cNvSpPr>
-          <p:nvPr>
-            <p:ph idx="1"/>
-          </p:nvPr>
-        </p:nvSpPr>
-        <p:spPr/>
-        <p:txBody>
-          <a:bodyPr>
-            <a:normAutofit fontScale="62500" lnSpcReduction="20000"/>
-          </a:bodyPr>
-          <a:lstStyle/>
-          <a:p>
-            <a:r>
-              <a:rPr lang="es-MX" dirty="0"/>
-              <a:t>Moderador: Guía la discusión, organiza los turnos de palabra, mantiene el enfoque en el tema y controla el tiempo de intervención. Asegura una participación equitativa y un ambiente respetuoso.</a:t>
-            </a:r>
-          </a:p>
-          <a:p>
-            <a:r>
-              <a:rPr lang="es-MX" dirty="0"/>
-              <a:t>Participantes: Exponen sus puntos de vista, escuchan activamente, hacen preguntas o comentarios relevantes y respetan los turnos de palabra. Contribuyen al diálogo y la discusión.</a:t>
-            </a:r>
-          </a:p>
-          <a:p>
-            <a:r>
-              <a:rPr lang="es-MX" dirty="0"/>
-              <a:t>Secretario o Relator: Toma notas de las ideas clave, acuerdos y conclusiones. Puede leer un resumen final al término de la discusión, proporcionando un registro oficial de la mesa redonda.</a:t>
-            </a:r>
-          </a:p>
-          <a:p>
-            <a:r>
-              <a:rPr lang="es-MX" dirty="0"/>
-              <a:t>Observador: Evalúa la dinámica de la discusión, el manejo de los turnos de palabra y la efectividad del moderador. Ofrece retroalimentación para mejorar futuras sesiones.</a:t>
-            </a:r>
-          </a:p>
-          <a:p>
-            <a:r>
-              <a:rPr lang="es-MX" dirty="0"/>
-              <a:t>Cronometrador: Controla el tiempo de cada intervención y avisa cuando el tiempo asignado está por agotarse, ayudando a mantener el ritmo de la discusión.</a:t>
-            </a:r>
-          </a:p>
-          <a:p>
-            <a:r>
-              <a:rPr lang="es-MX" dirty="0"/>
-              <a:t>Expertos o Panelistas: Presentan conocimientos especializados sobre el tema de discusión. Responden preguntas y aportan perspectivas profundas y bien fundamentadas.</a:t>
-            </a:r>
-          </a:p>
-          <a:p>
-            <a:r>
-              <a:rPr lang="es-MX" dirty="0"/>
-              <a:t>Público: Observa la discusión y, en algunos casos, puede hacer preguntas o comentarios al final, contribuyendo con su perspectiva a la conversación general.</a:t>
-            </a:r>
-          </a:p>
-          <a:p>
-            <a:r>
-              <a:rPr lang="es-MX" dirty="0"/>
-              <a:t>Evaluador: Evalúa el desempeño de los participantes en términos de claridad, argumentación y respeto por las reglas, proporcionando retroalimentación constructiva.</a:t>
-            </a:r>
-          </a:p>
-        </p:txBody>
-      </p:sp>
-    </p:spTree>
-    <p:extLst>
-      <p:ext uri="{BB962C8B-B14F-4D97-AF65-F5344CB8AC3E}">
-        <p14:creationId xmlns:p14="http://schemas.microsoft.com/office/powerpoint/2010/main" val="440576077"/>
-      </p:ext>
-    </p:extLst>
-  </p:cSld>
-  <p:clrMapOvr>
-    <a:masterClrMapping/>
-  </p:clrMapOvr>
-</p:sld>
-</file>
-
-<file path=ppt/slides/slide9.xml><?xml version="1.0" encoding="utf-8"?>
-<p:sld xmlns:a="http://schemas.openxmlformats.org/drawingml/2006/main" xmlns:r="http://schemas.openxmlformats.org/officeDocument/2006/relationships" xmlns:p="http://schemas.openxmlformats.org/presentationml/2006/main">
-  <p:cSld>
-    <p:bg>
-      <p:bgPr>
-        <a:pattFill prst="smCheck">
-          <a:fgClr>
-            <a:schemeClr val="accent1"/>
-          </a:fgClr>
-          <a:bgClr>
-            <a:schemeClr val="bg1"/>
-          </a:bgClr>
-        </a:pattFill>
-        <a:effectLst/>
-      </p:bgPr>
-    </p:bg>
-    <p:spTree>
-      <p:nvGrpSpPr>
-        <p:cNvPr id="1" name=""/>
-        <p:cNvGrpSpPr/>
-        <p:nvPr/>
-      </p:nvGrpSpPr>
-      <p:grpSpPr>
-        <a:xfrm>
-          <a:off x="0" y="0"/>
-          <a:ext cx="0" cy="0"/>
-          <a:chOff x="0" y="0"/>
-          <a:chExt cx="0" cy="0"/>
-        </a:xfrm>
-      </p:grpSpPr>
-      <p:sp>
-        <p:nvSpPr>
-          <p:cNvPr id="2" name="Título 1">
-            <a:extLst>
-              <a:ext uri="{FF2B5EF4-FFF2-40B4-BE49-F238E27FC236}">
                 <a16:creationId xmlns:a16="http://schemas.microsoft.com/office/drawing/2014/main" id="{6F4E9F2A-CBA1-4648-AB62-66880F5C5172}"/>
               </a:ext>
             </a:extLst>
@@ -4775,14 +4807,19 @@
           </p:nvPr>
         </p:nvSpPr>
         <p:spPr>
-          <a:pattFill prst="pct50">
-            <a:fgClr>
-              <a:schemeClr val="accent1"/>
-            </a:fgClr>
-            <a:bgClr>
-              <a:schemeClr val="bg1"/>
-            </a:bgClr>
-          </a:pattFill>
+          <a:solidFill>
+            <a:schemeClr val="accent1">
+              <a:lumMod val="60000"/>
+              <a:lumOff val="40000"/>
+            </a:schemeClr>
+          </a:solidFill>
+          <a:effectLst>
+            <a:innerShdw blurRad="1270000" dir="11160000">
+              <a:prstClr val="black">
+                <a:alpha val="28000"/>
+              </a:prstClr>
+            </a:innerShdw>
+          </a:effectLst>
         </p:spPr>
         <p:txBody>
           <a:bodyPr>
